--- a/AlexanderGordeychikDiplomaQase.pptx
+++ b/AlexanderGordeychikDiplomaQase.pptx
@@ -5,7 +5,7 @@
     <p:sldMasterId id="2147483659" r:id="rId1"/>
   </p:sldMasterIdLst>
   <p:notesMasterIdLst>
-    <p:notesMasterId r:id="rId8"/>
+    <p:notesMasterId r:id="rId10"/>
   </p:notesMasterIdLst>
   <p:sldIdLst>
     <p:sldId id="258" r:id="rId2"/>
@@ -14,28 +14,30 @@
     <p:sldId id="266" r:id="rId5"/>
     <p:sldId id="267" r:id="rId6"/>
     <p:sldId id="268" r:id="rId7"/>
+    <p:sldId id="270" r:id="rId8"/>
+    <p:sldId id="269" r:id="rId9"/>
   </p:sldIdLst>
   <p:sldSz cx="9144000" cy="5143500" type="screen16x9"/>
   <p:notesSz cx="6858000" cy="9144000"/>
   <p:embeddedFontLst>
     <p:embeddedFont>
       <p:font typeface="Calibri" panose="020F0502020204030204" pitchFamily="34" charset="0"/>
-      <p:regular r:id="rId9"/>
-      <p:bold r:id="rId10"/>
-      <p:italic r:id="rId11"/>
-      <p:boldItalic r:id="rId12"/>
+      <p:regular r:id="rId11"/>
+      <p:bold r:id="rId12"/>
+      <p:italic r:id="rId13"/>
+      <p:boldItalic r:id="rId14"/>
     </p:embeddedFont>
     <p:embeddedFont>
       <p:font typeface="Nunito" panose="020B0604020202020204" charset="0"/>
-      <p:regular r:id="rId13"/>
-      <p:bold r:id="rId14"/>
-      <p:italic r:id="rId15"/>
-      <p:boldItalic r:id="rId16"/>
+      <p:regular r:id="rId15"/>
+      <p:bold r:id="rId16"/>
+      <p:italic r:id="rId17"/>
+      <p:boldItalic r:id="rId18"/>
     </p:embeddedFont>
     <p:embeddedFont>
       <p:font typeface="Nunito ExtraBold" panose="020B0604020202020204" charset="0"/>
-      <p:bold r:id="rId17"/>
-      <p:boldItalic r:id="rId18"/>
+      <p:bold r:id="rId19"/>
+      <p:boldItalic r:id="rId20"/>
     </p:embeddedFont>
   </p:embeddedFontLst>
   <p:defaultTextStyle>
@@ -1392,6 +1394,224 @@
     <p:extLst>
       <p:ext uri="{BB962C8B-B14F-4D97-AF65-F5344CB8AC3E}">
         <p14:creationId xmlns:p14="http://schemas.microsoft.com/office/powerpoint/2010/main" val="2774069936"/>
+      </p:ext>
+    </p:extLst>
+  </p:cSld>
+  <p:clrMapOvr>
+    <a:masterClrMapping/>
+  </p:clrMapOvr>
+</p:notes>
+</file>
+
+<file path=ppt/notesSlides/notesSlide7.xml><?xml version="1.0" encoding="utf-8"?>
+<p:notes xmlns:a="http://schemas.openxmlformats.org/drawingml/2006/main" xmlns:r="http://schemas.openxmlformats.org/officeDocument/2006/relationships" xmlns:p="http://schemas.openxmlformats.org/presentationml/2006/main" showMasterSp="0" showMasterPhAnim="0">
+  <p:cSld>
+    <p:spTree>
+      <p:nvGrpSpPr>
+        <p:cNvPr id="1" name="Shape 69"/>
+        <p:cNvGrpSpPr/>
+        <p:nvPr/>
+      </p:nvGrpSpPr>
+      <p:grpSpPr>
+        <a:xfrm>
+          <a:off x="0" y="0"/>
+          <a:ext cx="0" cy="0"/>
+          <a:chOff x="0" y="0"/>
+          <a:chExt cx="0" cy="0"/>
+        </a:xfrm>
+      </p:grpSpPr>
+      <p:sp>
+        <p:nvSpPr>
+          <p:cNvPr id="70" name="Google Shape;70;g9118c7d4ab_0_1:notes"/>
+          <p:cNvSpPr>
+            <a:spLocks noGrp="1" noRot="1" noChangeAspect="1"/>
+          </p:cNvSpPr>
+          <p:nvPr>
+            <p:ph type="sldImg" idx="2"/>
+          </p:nvPr>
+        </p:nvSpPr>
+        <p:spPr>
+          <a:xfrm>
+            <a:off x="381000" y="685800"/>
+            <a:ext cx="6096000" cy="3429000"/>
+          </a:xfrm>
+          <a:custGeom>
+            <a:avLst/>
+            <a:gdLst/>
+            <a:ahLst/>
+            <a:cxnLst/>
+            <a:rect l="l" t="t" r="r" b="b"/>
+            <a:pathLst>
+              <a:path w="120000" h="120000" extrusionOk="0">
+                <a:moveTo>
+                  <a:pt x="0" y="0"/>
+                </a:moveTo>
+                <a:lnTo>
+                  <a:pt x="120000" y="0"/>
+                </a:lnTo>
+                <a:lnTo>
+                  <a:pt x="120000" y="120000"/>
+                </a:lnTo>
+                <a:lnTo>
+                  <a:pt x="0" y="120000"/>
+                </a:lnTo>
+                <a:close/>
+              </a:path>
+            </a:pathLst>
+          </a:custGeom>
+        </p:spPr>
+      </p:sp>
+      <p:sp>
+        <p:nvSpPr>
+          <p:cNvPr id="71" name="Google Shape;71;g9118c7d4ab_0_1:notes"/>
+          <p:cNvSpPr txBox="1">
+            <a:spLocks noGrp="1"/>
+          </p:cNvSpPr>
+          <p:nvPr>
+            <p:ph type="body" idx="1"/>
+          </p:nvPr>
+        </p:nvSpPr>
+        <p:spPr>
+          <a:xfrm>
+            <a:off x="685800" y="4343400"/>
+            <a:ext cx="5486400" cy="4114800"/>
+          </a:xfrm>
+          <a:prstGeom prst="rect">
+            <a:avLst/>
+          </a:prstGeom>
+        </p:spPr>
+        <p:txBody>
+          <a:bodyPr spcFirstLastPara="1" wrap="square" lIns="91425" tIns="91425" rIns="91425" bIns="91425" anchor="t" anchorCtr="0">
+            <a:noAutofit/>
+          </a:bodyPr>
+          <a:lstStyle/>
+          <a:p>
+            <a:pPr marL="0" lvl="0" indent="0" algn="l" rtl="0">
+              <a:spcBef>
+                <a:spcPts val="0"/>
+              </a:spcBef>
+              <a:spcAft>
+                <a:spcPts val="0"/>
+              </a:spcAft>
+              <a:buNone/>
+            </a:pPr>
+            <a:endParaRPr/>
+          </a:p>
+        </p:txBody>
+      </p:sp>
+    </p:spTree>
+    <p:extLst>
+      <p:ext uri="{BB962C8B-B14F-4D97-AF65-F5344CB8AC3E}">
+        <p14:creationId xmlns:p14="http://schemas.microsoft.com/office/powerpoint/2010/main" val="3655130075"/>
+      </p:ext>
+    </p:extLst>
+  </p:cSld>
+  <p:clrMapOvr>
+    <a:masterClrMapping/>
+  </p:clrMapOvr>
+</p:notes>
+</file>
+
+<file path=ppt/notesSlides/notesSlide8.xml><?xml version="1.0" encoding="utf-8"?>
+<p:notes xmlns:a="http://schemas.openxmlformats.org/drawingml/2006/main" xmlns:r="http://schemas.openxmlformats.org/officeDocument/2006/relationships" xmlns:p="http://schemas.openxmlformats.org/presentationml/2006/main" showMasterSp="0" showMasterPhAnim="0">
+  <p:cSld>
+    <p:spTree>
+      <p:nvGrpSpPr>
+        <p:cNvPr id="1" name="Shape 69"/>
+        <p:cNvGrpSpPr/>
+        <p:nvPr/>
+      </p:nvGrpSpPr>
+      <p:grpSpPr>
+        <a:xfrm>
+          <a:off x="0" y="0"/>
+          <a:ext cx="0" cy="0"/>
+          <a:chOff x="0" y="0"/>
+          <a:chExt cx="0" cy="0"/>
+        </a:xfrm>
+      </p:grpSpPr>
+      <p:sp>
+        <p:nvSpPr>
+          <p:cNvPr id="70" name="Google Shape;70;g9118c7d4ab_0_1:notes"/>
+          <p:cNvSpPr>
+            <a:spLocks noGrp="1" noRot="1" noChangeAspect="1"/>
+          </p:cNvSpPr>
+          <p:nvPr>
+            <p:ph type="sldImg" idx="2"/>
+          </p:nvPr>
+        </p:nvSpPr>
+        <p:spPr>
+          <a:xfrm>
+            <a:off x="381000" y="685800"/>
+            <a:ext cx="6096000" cy="3429000"/>
+          </a:xfrm>
+          <a:custGeom>
+            <a:avLst/>
+            <a:gdLst/>
+            <a:ahLst/>
+            <a:cxnLst/>
+            <a:rect l="l" t="t" r="r" b="b"/>
+            <a:pathLst>
+              <a:path w="120000" h="120000" extrusionOk="0">
+                <a:moveTo>
+                  <a:pt x="0" y="0"/>
+                </a:moveTo>
+                <a:lnTo>
+                  <a:pt x="120000" y="0"/>
+                </a:lnTo>
+                <a:lnTo>
+                  <a:pt x="120000" y="120000"/>
+                </a:lnTo>
+                <a:lnTo>
+                  <a:pt x="0" y="120000"/>
+                </a:lnTo>
+                <a:close/>
+              </a:path>
+            </a:pathLst>
+          </a:custGeom>
+        </p:spPr>
+      </p:sp>
+      <p:sp>
+        <p:nvSpPr>
+          <p:cNvPr id="71" name="Google Shape;71;g9118c7d4ab_0_1:notes"/>
+          <p:cNvSpPr txBox="1">
+            <a:spLocks noGrp="1"/>
+          </p:cNvSpPr>
+          <p:nvPr>
+            <p:ph type="body" idx="1"/>
+          </p:nvPr>
+        </p:nvSpPr>
+        <p:spPr>
+          <a:xfrm>
+            <a:off x="685800" y="4343400"/>
+            <a:ext cx="5486400" cy="4114800"/>
+          </a:xfrm>
+          <a:prstGeom prst="rect">
+            <a:avLst/>
+          </a:prstGeom>
+        </p:spPr>
+        <p:txBody>
+          <a:bodyPr spcFirstLastPara="1" wrap="square" lIns="91425" tIns="91425" rIns="91425" bIns="91425" anchor="t" anchorCtr="0">
+            <a:noAutofit/>
+          </a:bodyPr>
+          <a:lstStyle/>
+          <a:p>
+            <a:pPr marL="0" lvl="0" indent="0" algn="l" rtl="0">
+              <a:spcBef>
+                <a:spcPts val="0"/>
+              </a:spcBef>
+              <a:spcAft>
+                <a:spcPts val="0"/>
+              </a:spcAft>
+              <a:buNone/>
+            </a:pPr>
+            <a:endParaRPr/>
+          </a:p>
+        </p:txBody>
+      </p:sp>
+    </p:spTree>
+    <p:extLst>
+      <p:ext uri="{BB962C8B-B14F-4D97-AF65-F5344CB8AC3E}">
+        <p14:creationId xmlns:p14="http://schemas.microsoft.com/office/powerpoint/2010/main" val="410038304"/>
       </p:ext>
     </p:extLst>
   </p:cSld>
@@ -10591,6 +10811,1114 @@
 </p:sld>
 </file>
 
+<file path=ppt/slides/slide7.xml><?xml version="1.0" encoding="utf-8"?>
+<p:sld xmlns:a="http://schemas.openxmlformats.org/drawingml/2006/main" xmlns:r="http://schemas.openxmlformats.org/officeDocument/2006/relationships" xmlns:p="http://schemas.openxmlformats.org/presentationml/2006/main">
+  <p:cSld>
+    <p:spTree>
+      <p:nvGrpSpPr>
+        <p:cNvPr id="1" name="Shape 72"/>
+        <p:cNvGrpSpPr/>
+        <p:nvPr/>
+      </p:nvGrpSpPr>
+      <p:grpSpPr>
+        <a:xfrm>
+          <a:off x="0" y="0"/>
+          <a:ext cx="0" cy="0"/>
+          <a:chOff x="0" y="0"/>
+          <a:chExt cx="0" cy="0"/>
+        </a:xfrm>
+      </p:grpSpPr>
+      <p:pic>
+        <p:nvPicPr>
+          <p:cNvPr id="73" name="Google Shape;73;p15"/>
+          <p:cNvPicPr preferRelativeResize="0"/>
+          <p:nvPr/>
+        </p:nvPicPr>
+        <p:blipFill>
+          <a:blip r:embed="rId3">
+            <a:alphaModFix/>
+          </a:blip>
+          <a:stretch>
+            <a:fillRect/>
+          </a:stretch>
+        </p:blipFill>
+        <p:spPr>
+          <a:xfrm>
+            <a:off x="0" y="0"/>
+            <a:ext cx="9143997" cy="5143501"/>
+          </a:xfrm>
+          <a:prstGeom prst="rect">
+            <a:avLst/>
+          </a:prstGeom>
+          <a:noFill/>
+          <a:ln>
+            <a:noFill/>
+          </a:ln>
+        </p:spPr>
+      </p:pic>
+      <p:sp>
+        <p:nvSpPr>
+          <p:cNvPr id="77" name="Google Shape;77;p15"/>
+          <p:cNvSpPr txBox="1"/>
+          <p:nvPr/>
+        </p:nvSpPr>
+        <p:spPr>
+          <a:xfrm>
+            <a:off x="1575994" y="1334637"/>
+            <a:ext cx="762000" cy="256800"/>
+          </a:xfrm>
+          <a:prstGeom prst="rect">
+            <a:avLst/>
+          </a:prstGeom>
+          <a:noFill/>
+          <a:ln>
+            <a:noFill/>
+          </a:ln>
+        </p:spPr>
+        <p:txBody>
+          <a:bodyPr spcFirstLastPara="1" wrap="square" lIns="91425" tIns="91425" rIns="91425" bIns="91425" anchor="ctr" anchorCtr="0">
+            <a:noAutofit/>
+          </a:bodyPr>
+          <a:lstStyle/>
+          <a:p>
+            <a:pPr marL="0" marR="0" lvl="0" indent="0" algn="ctr" rtl="0">
+              <a:lnSpc>
+                <a:spcPct val="100000"/>
+              </a:lnSpc>
+              <a:spcBef>
+                <a:spcPts val="0"/>
+              </a:spcBef>
+              <a:spcAft>
+                <a:spcPts val="0"/>
+              </a:spcAft>
+              <a:buClr>
+                <a:srgbClr val="000000"/>
+              </a:buClr>
+              <a:buSzPts val="3000"/>
+              <a:buFont typeface="Arial"/>
+              <a:buNone/>
+            </a:pPr>
+            <a:r>
+              <a:rPr lang="en" sz="1900" b="0" i="0" u="none" strike="noStrike" cap="none" dirty="0">
+                <a:solidFill>
+                  <a:srgbClr val="FFFFFF"/>
+                </a:solidFill>
+                <a:latin typeface="Calibri"/>
+                <a:ea typeface="Calibri"/>
+                <a:cs typeface="Calibri"/>
+                <a:sym typeface="Calibri"/>
+              </a:rPr>
+              <a:t>2010</a:t>
+            </a:r>
+            <a:endParaRPr sz="1900" b="0" i="0" u="none" strike="noStrike" cap="none" dirty="0">
+              <a:solidFill>
+                <a:srgbClr val="FFFFFF"/>
+              </a:solidFill>
+              <a:latin typeface="Calibri"/>
+              <a:ea typeface="Calibri"/>
+              <a:cs typeface="Calibri"/>
+              <a:sym typeface="Calibri"/>
+            </a:endParaRPr>
+          </a:p>
+        </p:txBody>
+      </p:sp>
+      <p:sp>
+        <p:nvSpPr>
+          <p:cNvPr id="78" name="Google Shape;78;p15"/>
+          <p:cNvSpPr txBox="1"/>
+          <p:nvPr/>
+        </p:nvSpPr>
+        <p:spPr>
+          <a:xfrm>
+            <a:off x="2871216" y="1298578"/>
+            <a:ext cx="762000" cy="256800"/>
+          </a:xfrm>
+          <a:prstGeom prst="rect">
+            <a:avLst/>
+          </a:prstGeom>
+          <a:noFill/>
+          <a:ln>
+            <a:noFill/>
+          </a:ln>
+        </p:spPr>
+        <p:txBody>
+          <a:bodyPr spcFirstLastPara="1" wrap="square" lIns="91425" tIns="91425" rIns="91425" bIns="91425" anchor="ctr" anchorCtr="0">
+            <a:noAutofit/>
+          </a:bodyPr>
+          <a:lstStyle/>
+          <a:p>
+            <a:pPr marL="0" marR="0" lvl="0" indent="0" algn="ctr" rtl="0">
+              <a:lnSpc>
+                <a:spcPct val="100000"/>
+              </a:lnSpc>
+              <a:spcBef>
+                <a:spcPts val="0"/>
+              </a:spcBef>
+              <a:spcAft>
+                <a:spcPts val="0"/>
+              </a:spcAft>
+              <a:buClr>
+                <a:srgbClr val="000000"/>
+              </a:buClr>
+              <a:buSzPts val="3000"/>
+              <a:buFont typeface="Arial"/>
+              <a:buNone/>
+            </a:pPr>
+            <a:r>
+              <a:rPr lang="en" sz="2100" b="0" i="0" u="none" strike="noStrike" cap="none" dirty="0">
+                <a:solidFill>
+                  <a:srgbClr val="FFFFFF"/>
+                </a:solidFill>
+                <a:latin typeface="Calibri"/>
+                <a:ea typeface="Calibri"/>
+                <a:cs typeface="Calibri"/>
+                <a:sym typeface="Calibri"/>
+              </a:rPr>
+              <a:t>2012</a:t>
+            </a:r>
+            <a:endParaRPr sz="2100" b="0" i="0" u="none" strike="noStrike" cap="none" dirty="0">
+              <a:solidFill>
+                <a:srgbClr val="FFFFFF"/>
+              </a:solidFill>
+              <a:latin typeface="Calibri"/>
+              <a:ea typeface="Calibri"/>
+              <a:cs typeface="Calibri"/>
+              <a:sym typeface="Calibri"/>
+            </a:endParaRPr>
+          </a:p>
+        </p:txBody>
+      </p:sp>
+      <p:sp>
+        <p:nvSpPr>
+          <p:cNvPr id="79" name="Google Shape;79;p15"/>
+          <p:cNvSpPr txBox="1"/>
+          <p:nvPr/>
+        </p:nvSpPr>
+        <p:spPr>
+          <a:xfrm>
+            <a:off x="4141350" y="1273063"/>
+            <a:ext cx="810300" cy="256800"/>
+          </a:xfrm>
+          <a:prstGeom prst="rect">
+            <a:avLst/>
+          </a:prstGeom>
+          <a:noFill/>
+          <a:ln>
+            <a:noFill/>
+          </a:ln>
+        </p:spPr>
+        <p:txBody>
+          <a:bodyPr spcFirstLastPara="1" wrap="square" lIns="91425" tIns="91425" rIns="91425" bIns="91425" anchor="ctr" anchorCtr="0">
+            <a:noAutofit/>
+          </a:bodyPr>
+          <a:lstStyle/>
+          <a:p>
+            <a:pPr marL="0" marR="0" lvl="0" indent="0" algn="ctr" rtl="0">
+              <a:lnSpc>
+                <a:spcPct val="100000"/>
+              </a:lnSpc>
+              <a:spcBef>
+                <a:spcPts val="0"/>
+              </a:spcBef>
+              <a:spcAft>
+                <a:spcPts val="0"/>
+              </a:spcAft>
+              <a:buClr>
+                <a:srgbClr val="000000"/>
+              </a:buClr>
+              <a:buSzPts val="3000"/>
+              <a:buFont typeface="Arial"/>
+              <a:buNone/>
+            </a:pPr>
+            <a:r>
+              <a:rPr lang="en" sz="2300" b="0" i="0" u="none" strike="noStrike" cap="none">
+                <a:solidFill>
+                  <a:srgbClr val="FFFFFF"/>
+                </a:solidFill>
+                <a:latin typeface="Calibri"/>
+                <a:ea typeface="Calibri"/>
+                <a:cs typeface="Calibri"/>
+                <a:sym typeface="Calibri"/>
+              </a:rPr>
+              <a:t>2015</a:t>
+            </a:r>
+            <a:endParaRPr sz="2300" b="0" i="0" u="none" strike="noStrike" cap="none">
+              <a:solidFill>
+                <a:srgbClr val="FFFFFF"/>
+              </a:solidFill>
+              <a:latin typeface="Calibri"/>
+              <a:ea typeface="Calibri"/>
+              <a:cs typeface="Calibri"/>
+              <a:sym typeface="Calibri"/>
+            </a:endParaRPr>
+          </a:p>
+        </p:txBody>
+      </p:sp>
+      <p:sp>
+        <p:nvSpPr>
+          <p:cNvPr id="80" name="Google Shape;80;p15"/>
+          <p:cNvSpPr txBox="1"/>
+          <p:nvPr/>
+        </p:nvSpPr>
+        <p:spPr>
+          <a:xfrm>
+            <a:off x="5388265" y="1252225"/>
+            <a:ext cx="919500" cy="256800"/>
+          </a:xfrm>
+          <a:prstGeom prst="rect">
+            <a:avLst/>
+          </a:prstGeom>
+          <a:noFill/>
+          <a:ln>
+            <a:noFill/>
+          </a:ln>
+        </p:spPr>
+        <p:txBody>
+          <a:bodyPr spcFirstLastPara="1" wrap="square" lIns="91425" tIns="91425" rIns="91425" bIns="91425" anchor="ctr" anchorCtr="0">
+            <a:noAutofit/>
+          </a:bodyPr>
+          <a:lstStyle/>
+          <a:p>
+            <a:pPr marL="0" marR="0" lvl="0" indent="0" algn="ctr" rtl="0">
+              <a:lnSpc>
+                <a:spcPct val="100000"/>
+              </a:lnSpc>
+              <a:spcBef>
+                <a:spcPts val="0"/>
+              </a:spcBef>
+              <a:spcAft>
+                <a:spcPts val="0"/>
+              </a:spcAft>
+              <a:buClr>
+                <a:srgbClr val="000000"/>
+              </a:buClr>
+              <a:buSzPts val="3000"/>
+              <a:buFont typeface="Arial"/>
+              <a:buNone/>
+            </a:pPr>
+            <a:r>
+              <a:rPr lang="en" sz="2500" b="0" i="0" u="none" strike="noStrike" cap="none">
+                <a:solidFill>
+                  <a:srgbClr val="FFFFFF"/>
+                </a:solidFill>
+                <a:latin typeface="Calibri"/>
+                <a:ea typeface="Calibri"/>
+                <a:cs typeface="Calibri"/>
+                <a:sym typeface="Calibri"/>
+              </a:rPr>
+              <a:t>2018</a:t>
+            </a:r>
+            <a:endParaRPr sz="2500" b="0" i="0" u="none" strike="noStrike" cap="none">
+              <a:solidFill>
+                <a:srgbClr val="FFFFFF"/>
+              </a:solidFill>
+              <a:latin typeface="Calibri"/>
+              <a:ea typeface="Calibri"/>
+              <a:cs typeface="Calibri"/>
+              <a:sym typeface="Calibri"/>
+            </a:endParaRPr>
+          </a:p>
+        </p:txBody>
+      </p:sp>
+      <p:sp>
+        <p:nvSpPr>
+          <p:cNvPr id="81" name="Google Shape;81;p15"/>
+          <p:cNvSpPr txBox="1"/>
+          <p:nvPr/>
+        </p:nvSpPr>
+        <p:spPr>
+          <a:xfrm>
+            <a:off x="6673111" y="1211725"/>
+            <a:ext cx="903000" cy="256800"/>
+          </a:xfrm>
+          <a:prstGeom prst="rect">
+            <a:avLst/>
+          </a:prstGeom>
+          <a:noFill/>
+          <a:ln>
+            <a:noFill/>
+          </a:ln>
+        </p:spPr>
+        <p:txBody>
+          <a:bodyPr spcFirstLastPara="1" wrap="square" lIns="91425" tIns="91425" rIns="91425" bIns="91425" anchor="ctr" anchorCtr="0">
+            <a:noAutofit/>
+          </a:bodyPr>
+          <a:lstStyle/>
+          <a:p>
+            <a:pPr marL="0" marR="0" lvl="0" indent="0" algn="ctr" rtl="0">
+              <a:lnSpc>
+                <a:spcPct val="100000"/>
+              </a:lnSpc>
+              <a:spcBef>
+                <a:spcPts val="0"/>
+              </a:spcBef>
+              <a:spcAft>
+                <a:spcPts val="0"/>
+              </a:spcAft>
+              <a:buClr>
+                <a:srgbClr val="000000"/>
+              </a:buClr>
+              <a:buSzPts val="3000"/>
+              <a:buFont typeface="Arial"/>
+              <a:buNone/>
+            </a:pPr>
+            <a:r>
+              <a:rPr lang="en" sz="2700" b="0" i="0" u="none" strike="noStrike" cap="none">
+                <a:solidFill>
+                  <a:srgbClr val="FFFFFF"/>
+                </a:solidFill>
+                <a:latin typeface="Calibri"/>
+                <a:ea typeface="Calibri"/>
+                <a:cs typeface="Calibri"/>
+                <a:sym typeface="Calibri"/>
+              </a:rPr>
+              <a:t>2019</a:t>
+            </a:r>
+            <a:endParaRPr sz="2700" b="0" i="0" u="none" strike="noStrike" cap="none">
+              <a:solidFill>
+                <a:srgbClr val="FFFFFF"/>
+              </a:solidFill>
+              <a:latin typeface="Calibri"/>
+              <a:ea typeface="Calibri"/>
+              <a:cs typeface="Calibri"/>
+              <a:sym typeface="Calibri"/>
+            </a:endParaRPr>
+          </a:p>
+        </p:txBody>
+      </p:sp>
+      <p:sp>
+        <p:nvSpPr>
+          <p:cNvPr id="82" name="Google Shape;82;p15"/>
+          <p:cNvSpPr txBox="1"/>
+          <p:nvPr/>
+        </p:nvSpPr>
+        <p:spPr>
+          <a:xfrm>
+            <a:off x="7941450" y="1147350"/>
+            <a:ext cx="1024200" cy="256800"/>
+          </a:xfrm>
+          <a:prstGeom prst="rect">
+            <a:avLst/>
+          </a:prstGeom>
+          <a:noFill/>
+          <a:ln>
+            <a:noFill/>
+          </a:ln>
+        </p:spPr>
+        <p:txBody>
+          <a:bodyPr spcFirstLastPara="1" wrap="square" lIns="91425" tIns="91425" rIns="91425" bIns="91425" anchor="ctr" anchorCtr="0">
+            <a:noAutofit/>
+          </a:bodyPr>
+          <a:lstStyle/>
+          <a:p>
+            <a:pPr marL="0" marR="0" lvl="0" indent="0" algn="ctr" rtl="0">
+              <a:lnSpc>
+                <a:spcPct val="100000"/>
+              </a:lnSpc>
+              <a:spcBef>
+                <a:spcPts val="0"/>
+              </a:spcBef>
+              <a:spcAft>
+                <a:spcPts val="0"/>
+              </a:spcAft>
+              <a:buClr>
+                <a:srgbClr val="000000"/>
+              </a:buClr>
+              <a:buSzPts val="3000"/>
+              <a:buFont typeface="Arial"/>
+              <a:buNone/>
+            </a:pPr>
+            <a:r>
+              <a:rPr lang="en" sz="2900">
+                <a:solidFill>
+                  <a:srgbClr val="FFFFFF"/>
+                </a:solidFill>
+                <a:latin typeface="Calibri"/>
+                <a:ea typeface="Calibri"/>
+                <a:cs typeface="Calibri"/>
+                <a:sym typeface="Calibri"/>
+              </a:rPr>
+              <a:t>2020</a:t>
+            </a:r>
+            <a:endParaRPr sz="2900" b="0" i="0" u="none" strike="noStrike" cap="none">
+              <a:solidFill>
+                <a:srgbClr val="FFFFFF"/>
+              </a:solidFill>
+              <a:latin typeface="Calibri"/>
+              <a:ea typeface="Calibri"/>
+              <a:cs typeface="Calibri"/>
+              <a:sym typeface="Calibri"/>
+            </a:endParaRPr>
+          </a:p>
+        </p:txBody>
+      </p:sp>
+      <p:pic>
+        <p:nvPicPr>
+          <p:cNvPr id="16" name="Рисунок 15">
+            <a:extLst>
+              <a:ext uri="{FF2B5EF4-FFF2-40B4-BE49-F238E27FC236}">
+                <a16:creationId xmlns:a16="http://schemas.microsoft.com/office/drawing/2014/main" id="{F757D0B0-B222-4620-AE9D-19D1177355D1}"/>
+              </a:ext>
+            </a:extLst>
+          </p:cNvPr>
+          <p:cNvPicPr>
+            <a:picLocks noChangeAspect="1"/>
+          </p:cNvPicPr>
+          <p:nvPr/>
+        </p:nvPicPr>
+        <p:blipFill>
+          <a:blip r:embed="rId4"/>
+          <a:stretch>
+            <a:fillRect/>
+          </a:stretch>
+        </p:blipFill>
+        <p:spPr>
+          <a:xfrm>
+            <a:off x="3501447" y="3765767"/>
+            <a:ext cx="2141102" cy="2141102"/>
+          </a:xfrm>
+          <a:prstGeom prst="rect">
+            <a:avLst/>
+          </a:prstGeom>
+          <a:ln>
+            <a:noFill/>
+          </a:ln>
+          <a:effectLst>
+            <a:outerShdw blurRad="292100" dist="139700" dir="2700000" algn="tl" rotWithShape="0">
+              <a:srgbClr val="333333">
+                <a:alpha val="65000"/>
+              </a:srgbClr>
+            </a:outerShdw>
+          </a:effectLst>
+        </p:spPr>
+      </p:pic>
+      <p:pic>
+        <p:nvPicPr>
+          <p:cNvPr id="3" name="Рисунок 2" descr="Изображение выглядит как текст&#10;&#10;Автоматически созданное описание">
+            <a:extLst>
+              <a:ext uri="{FF2B5EF4-FFF2-40B4-BE49-F238E27FC236}">
+                <a16:creationId xmlns:a16="http://schemas.microsoft.com/office/drawing/2014/main" id="{709C6E1B-CE85-4CB4-95CA-BC2D03380AE6}"/>
+              </a:ext>
+            </a:extLst>
+          </p:cNvPr>
+          <p:cNvPicPr>
+            <a:picLocks noChangeAspect="1"/>
+          </p:cNvPicPr>
+          <p:nvPr/>
+        </p:nvPicPr>
+        <p:blipFill>
+          <a:blip r:embed="rId5"/>
+          <a:stretch>
+            <a:fillRect/>
+          </a:stretch>
+        </p:blipFill>
+        <p:spPr>
+          <a:xfrm>
+            <a:off x="109907" y="82811"/>
+            <a:ext cx="5206373" cy="2257828"/>
+          </a:xfrm>
+          <a:prstGeom prst="rect">
+            <a:avLst/>
+          </a:prstGeom>
+          <a:ln>
+            <a:noFill/>
+          </a:ln>
+          <a:effectLst>
+            <a:outerShdw blurRad="292100" dist="139700" dir="2700000" algn="tl" rotWithShape="0">
+              <a:srgbClr val="333333">
+                <a:alpha val="65000"/>
+              </a:srgbClr>
+            </a:outerShdw>
+          </a:effectLst>
+        </p:spPr>
+      </p:pic>
+      <p:pic>
+        <p:nvPicPr>
+          <p:cNvPr id="4" name="Рисунок 3" descr="Изображение выглядит как текст&#10;&#10;Автоматически созданное описание">
+            <a:extLst>
+              <a:ext uri="{FF2B5EF4-FFF2-40B4-BE49-F238E27FC236}">
+                <a16:creationId xmlns:a16="http://schemas.microsoft.com/office/drawing/2014/main" id="{A92B2CD6-B151-4A13-9A71-1FF0E69898F2}"/>
+              </a:ext>
+            </a:extLst>
+          </p:cNvPr>
+          <p:cNvPicPr>
+            <a:picLocks noChangeAspect="1"/>
+          </p:cNvPicPr>
+          <p:nvPr/>
+        </p:nvPicPr>
+        <p:blipFill>
+          <a:blip r:embed="rId6"/>
+          <a:stretch>
+            <a:fillRect/>
+          </a:stretch>
+        </p:blipFill>
+        <p:spPr>
+          <a:xfrm>
+            <a:off x="3975146" y="2423450"/>
+            <a:ext cx="4990504" cy="1952806"/>
+          </a:xfrm>
+          <a:prstGeom prst="rect">
+            <a:avLst/>
+          </a:prstGeom>
+          <a:ln>
+            <a:noFill/>
+          </a:ln>
+          <a:effectLst>
+            <a:outerShdw blurRad="292100" dist="139700" dir="2700000" algn="tl" rotWithShape="0">
+              <a:srgbClr val="333333">
+                <a:alpha val="65000"/>
+              </a:srgbClr>
+            </a:outerShdw>
+          </a:effectLst>
+        </p:spPr>
+      </p:pic>
+    </p:spTree>
+    <p:extLst>
+      <p:ext uri="{BB962C8B-B14F-4D97-AF65-F5344CB8AC3E}">
+        <p14:creationId xmlns:p14="http://schemas.microsoft.com/office/powerpoint/2010/main" val="2458090320"/>
+      </p:ext>
+    </p:extLst>
+  </p:cSld>
+  <p:clrMapOvr>
+    <a:masterClrMapping/>
+  </p:clrMapOvr>
+</p:sld>
+</file>
+
+<file path=ppt/slides/slide8.xml><?xml version="1.0" encoding="utf-8"?>
+<p:sld xmlns:a="http://schemas.openxmlformats.org/drawingml/2006/main" xmlns:r="http://schemas.openxmlformats.org/officeDocument/2006/relationships" xmlns:p="http://schemas.openxmlformats.org/presentationml/2006/main">
+  <p:cSld>
+    <p:spTree>
+      <p:nvGrpSpPr>
+        <p:cNvPr id="1" name="Shape 72"/>
+        <p:cNvGrpSpPr/>
+        <p:nvPr/>
+      </p:nvGrpSpPr>
+      <p:grpSpPr>
+        <a:xfrm>
+          <a:off x="0" y="0"/>
+          <a:ext cx="0" cy="0"/>
+          <a:chOff x="0" y="0"/>
+          <a:chExt cx="0" cy="0"/>
+        </a:xfrm>
+      </p:grpSpPr>
+      <p:pic>
+        <p:nvPicPr>
+          <p:cNvPr id="73" name="Google Shape;73;p15"/>
+          <p:cNvPicPr preferRelativeResize="0"/>
+          <p:nvPr/>
+        </p:nvPicPr>
+        <p:blipFill>
+          <a:blip r:embed="rId3">
+            <a:alphaModFix/>
+          </a:blip>
+          <a:stretch>
+            <a:fillRect/>
+          </a:stretch>
+        </p:blipFill>
+        <p:spPr>
+          <a:xfrm>
+            <a:off x="0" y="0"/>
+            <a:ext cx="9143997" cy="5143501"/>
+          </a:xfrm>
+          <a:prstGeom prst="rect">
+            <a:avLst/>
+          </a:prstGeom>
+          <a:noFill/>
+          <a:ln>
+            <a:noFill/>
+          </a:ln>
+        </p:spPr>
+      </p:pic>
+      <p:sp>
+        <p:nvSpPr>
+          <p:cNvPr id="77" name="Google Shape;77;p15"/>
+          <p:cNvSpPr txBox="1"/>
+          <p:nvPr/>
+        </p:nvSpPr>
+        <p:spPr>
+          <a:xfrm>
+            <a:off x="1575994" y="1334637"/>
+            <a:ext cx="762000" cy="256800"/>
+          </a:xfrm>
+          <a:prstGeom prst="rect">
+            <a:avLst/>
+          </a:prstGeom>
+          <a:noFill/>
+          <a:ln>
+            <a:noFill/>
+          </a:ln>
+        </p:spPr>
+        <p:txBody>
+          <a:bodyPr spcFirstLastPara="1" wrap="square" lIns="91425" tIns="91425" rIns="91425" bIns="91425" anchor="ctr" anchorCtr="0">
+            <a:noAutofit/>
+          </a:bodyPr>
+          <a:lstStyle/>
+          <a:p>
+            <a:pPr marL="0" marR="0" lvl="0" indent="0" algn="ctr" rtl="0">
+              <a:lnSpc>
+                <a:spcPct val="100000"/>
+              </a:lnSpc>
+              <a:spcBef>
+                <a:spcPts val="0"/>
+              </a:spcBef>
+              <a:spcAft>
+                <a:spcPts val="0"/>
+              </a:spcAft>
+              <a:buClr>
+                <a:srgbClr val="000000"/>
+              </a:buClr>
+              <a:buSzPts val="3000"/>
+              <a:buFont typeface="Arial"/>
+              <a:buNone/>
+            </a:pPr>
+            <a:r>
+              <a:rPr lang="en" sz="1900" b="0" i="0" u="none" strike="noStrike" cap="none" dirty="0">
+                <a:solidFill>
+                  <a:srgbClr val="FFFFFF"/>
+                </a:solidFill>
+                <a:latin typeface="Calibri"/>
+                <a:ea typeface="Calibri"/>
+                <a:cs typeface="Calibri"/>
+                <a:sym typeface="Calibri"/>
+              </a:rPr>
+              <a:t>2010</a:t>
+            </a:r>
+            <a:endParaRPr sz="1900" b="0" i="0" u="none" strike="noStrike" cap="none" dirty="0">
+              <a:solidFill>
+                <a:srgbClr val="FFFFFF"/>
+              </a:solidFill>
+              <a:latin typeface="Calibri"/>
+              <a:ea typeface="Calibri"/>
+              <a:cs typeface="Calibri"/>
+              <a:sym typeface="Calibri"/>
+            </a:endParaRPr>
+          </a:p>
+        </p:txBody>
+      </p:sp>
+      <p:sp>
+        <p:nvSpPr>
+          <p:cNvPr id="78" name="Google Shape;78;p15"/>
+          <p:cNvSpPr txBox="1"/>
+          <p:nvPr/>
+        </p:nvSpPr>
+        <p:spPr>
+          <a:xfrm>
+            <a:off x="2871216" y="1298578"/>
+            <a:ext cx="762000" cy="256800"/>
+          </a:xfrm>
+          <a:prstGeom prst="rect">
+            <a:avLst/>
+          </a:prstGeom>
+          <a:noFill/>
+          <a:ln>
+            <a:noFill/>
+          </a:ln>
+        </p:spPr>
+        <p:txBody>
+          <a:bodyPr spcFirstLastPara="1" wrap="square" lIns="91425" tIns="91425" rIns="91425" bIns="91425" anchor="ctr" anchorCtr="0">
+            <a:noAutofit/>
+          </a:bodyPr>
+          <a:lstStyle/>
+          <a:p>
+            <a:pPr marL="0" marR="0" lvl="0" indent="0" algn="ctr" rtl="0">
+              <a:lnSpc>
+                <a:spcPct val="100000"/>
+              </a:lnSpc>
+              <a:spcBef>
+                <a:spcPts val="0"/>
+              </a:spcBef>
+              <a:spcAft>
+                <a:spcPts val="0"/>
+              </a:spcAft>
+              <a:buClr>
+                <a:srgbClr val="000000"/>
+              </a:buClr>
+              <a:buSzPts val="3000"/>
+              <a:buFont typeface="Arial"/>
+              <a:buNone/>
+            </a:pPr>
+            <a:r>
+              <a:rPr lang="en" sz="2100" b="0" i="0" u="none" strike="noStrike" cap="none" dirty="0">
+                <a:solidFill>
+                  <a:srgbClr val="FFFFFF"/>
+                </a:solidFill>
+                <a:latin typeface="Calibri"/>
+                <a:ea typeface="Calibri"/>
+                <a:cs typeface="Calibri"/>
+                <a:sym typeface="Calibri"/>
+              </a:rPr>
+              <a:t>2012</a:t>
+            </a:r>
+            <a:endParaRPr sz="2100" b="0" i="0" u="none" strike="noStrike" cap="none" dirty="0">
+              <a:solidFill>
+                <a:srgbClr val="FFFFFF"/>
+              </a:solidFill>
+              <a:latin typeface="Calibri"/>
+              <a:ea typeface="Calibri"/>
+              <a:cs typeface="Calibri"/>
+              <a:sym typeface="Calibri"/>
+            </a:endParaRPr>
+          </a:p>
+        </p:txBody>
+      </p:sp>
+      <p:sp>
+        <p:nvSpPr>
+          <p:cNvPr id="79" name="Google Shape;79;p15"/>
+          <p:cNvSpPr txBox="1"/>
+          <p:nvPr/>
+        </p:nvSpPr>
+        <p:spPr>
+          <a:xfrm>
+            <a:off x="4141350" y="1273063"/>
+            <a:ext cx="810300" cy="256800"/>
+          </a:xfrm>
+          <a:prstGeom prst="rect">
+            <a:avLst/>
+          </a:prstGeom>
+          <a:noFill/>
+          <a:ln>
+            <a:noFill/>
+          </a:ln>
+        </p:spPr>
+        <p:txBody>
+          <a:bodyPr spcFirstLastPara="1" wrap="square" lIns="91425" tIns="91425" rIns="91425" bIns="91425" anchor="ctr" anchorCtr="0">
+            <a:noAutofit/>
+          </a:bodyPr>
+          <a:lstStyle/>
+          <a:p>
+            <a:pPr marL="0" marR="0" lvl="0" indent="0" algn="ctr" rtl="0">
+              <a:lnSpc>
+                <a:spcPct val="100000"/>
+              </a:lnSpc>
+              <a:spcBef>
+                <a:spcPts val="0"/>
+              </a:spcBef>
+              <a:spcAft>
+                <a:spcPts val="0"/>
+              </a:spcAft>
+              <a:buClr>
+                <a:srgbClr val="000000"/>
+              </a:buClr>
+              <a:buSzPts val="3000"/>
+              <a:buFont typeface="Arial"/>
+              <a:buNone/>
+            </a:pPr>
+            <a:r>
+              <a:rPr lang="en" sz="2300" b="0" i="0" u="none" strike="noStrike" cap="none">
+                <a:solidFill>
+                  <a:srgbClr val="FFFFFF"/>
+                </a:solidFill>
+                <a:latin typeface="Calibri"/>
+                <a:ea typeface="Calibri"/>
+                <a:cs typeface="Calibri"/>
+                <a:sym typeface="Calibri"/>
+              </a:rPr>
+              <a:t>2015</a:t>
+            </a:r>
+            <a:endParaRPr sz="2300" b="0" i="0" u="none" strike="noStrike" cap="none">
+              <a:solidFill>
+                <a:srgbClr val="FFFFFF"/>
+              </a:solidFill>
+              <a:latin typeface="Calibri"/>
+              <a:ea typeface="Calibri"/>
+              <a:cs typeface="Calibri"/>
+              <a:sym typeface="Calibri"/>
+            </a:endParaRPr>
+          </a:p>
+        </p:txBody>
+      </p:sp>
+      <p:sp>
+        <p:nvSpPr>
+          <p:cNvPr id="80" name="Google Shape;80;p15"/>
+          <p:cNvSpPr txBox="1"/>
+          <p:nvPr/>
+        </p:nvSpPr>
+        <p:spPr>
+          <a:xfrm>
+            <a:off x="5388265" y="1252225"/>
+            <a:ext cx="919500" cy="256800"/>
+          </a:xfrm>
+          <a:prstGeom prst="rect">
+            <a:avLst/>
+          </a:prstGeom>
+          <a:noFill/>
+          <a:ln>
+            <a:noFill/>
+          </a:ln>
+        </p:spPr>
+        <p:txBody>
+          <a:bodyPr spcFirstLastPara="1" wrap="square" lIns="91425" tIns="91425" rIns="91425" bIns="91425" anchor="ctr" anchorCtr="0">
+            <a:noAutofit/>
+          </a:bodyPr>
+          <a:lstStyle/>
+          <a:p>
+            <a:pPr marL="0" marR="0" lvl="0" indent="0" algn="ctr" rtl="0">
+              <a:lnSpc>
+                <a:spcPct val="100000"/>
+              </a:lnSpc>
+              <a:spcBef>
+                <a:spcPts val="0"/>
+              </a:spcBef>
+              <a:spcAft>
+                <a:spcPts val="0"/>
+              </a:spcAft>
+              <a:buClr>
+                <a:srgbClr val="000000"/>
+              </a:buClr>
+              <a:buSzPts val="3000"/>
+              <a:buFont typeface="Arial"/>
+              <a:buNone/>
+            </a:pPr>
+            <a:r>
+              <a:rPr lang="en" sz="2500" b="0" i="0" u="none" strike="noStrike" cap="none">
+                <a:solidFill>
+                  <a:srgbClr val="FFFFFF"/>
+                </a:solidFill>
+                <a:latin typeface="Calibri"/>
+                <a:ea typeface="Calibri"/>
+                <a:cs typeface="Calibri"/>
+                <a:sym typeface="Calibri"/>
+              </a:rPr>
+              <a:t>2018</a:t>
+            </a:r>
+            <a:endParaRPr sz="2500" b="0" i="0" u="none" strike="noStrike" cap="none">
+              <a:solidFill>
+                <a:srgbClr val="FFFFFF"/>
+              </a:solidFill>
+              <a:latin typeface="Calibri"/>
+              <a:ea typeface="Calibri"/>
+              <a:cs typeface="Calibri"/>
+              <a:sym typeface="Calibri"/>
+            </a:endParaRPr>
+          </a:p>
+        </p:txBody>
+      </p:sp>
+      <p:sp>
+        <p:nvSpPr>
+          <p:cNvPr id="81" name="Google Shape;81;p15"/>
+          <p:cNvSpPr txBox="1"/>
+          <p:nvPr/>
+        </p:nvSpPr>
+        <p:spPr>
+          <a:xfrm>
+            <a:off x="6673111" y="1211725"/>
+            <a:ext cx="903000" cy="256800"/>
+          </a:xfrm>
+          <a:prstGeom prst="rect">
+            <a:avLst/>
+          </a:prstGeom>
+          <a:noFill/>
+          <a:ln>
+            <a:noFill/>
+          </a:ln>
+        </p:spPr>
+        <p:txBody>
+          <a:bodyPr spcFirstLastPara="1" wrap="square" lIns="91425" tIns="91425" rIns="91425" bIns="91425" anchor="ctr" anchorCtr="0">
+            <a:noAutofit/>
+          </a:bodyPr>
+          <a:lstStyle/>
+          <a:p>
+            <a:pPr marL="0" marR="0" lvl="0" indent="0" algn="ctr" rtl="0">
+              <a:lnSpc>
+                <a:spcPct val="100000"/>
+              </a:lnSpc>
+              <a:spcBef>
+                <a:spcPts val="0"/>
+              </a:spcBef>
+              <a:spcAft>
+                <a:spcPts val="0"/>
+              </a:spcAft>
+              <a:buClr>
+                <a:srgbClr val="000000"/>
+              </a:buClr>
+              <a:buSzPts val="3000"/>
+              <a:buFont typeface="Arial"/>
+              <a:buNone/>
+            </a:pPr>
+            <a:r>
+              <a:rPr lang="en" sz="2700" b="0" i="0" u="none" strike="noStrike" cap="none">
+                <a:solidFill>
+                  <a:srgbClr val="FFFFFF"/>
+                </a:solidFill>
+                <a:latin typeface="Calibri"/>
+                <a:ea typeface="Calibri"/>
+                <a:cs typeface="Calibri"/>
+                <a:sym typeface="Calibri"/>
+              </a:rPr>
+              <a:t>2019</a:t>
+            </a:r>
+            <a:endParaRPr sz="2700" b="0" i="0" u="none" strike="noStrike" cap="none">
+              <a:solidFill>
+                <a:srgbClr val="FFFFFF"/>
+              </a:solidFill>
+              <a:latin typeface="Calibri"/>
+              <a:ea typeface="Calibri"/>
+              <a:cs typeface="Calibri"/>
+              <a:sym typeface="Calibri"/>
+            </a:endParaRPr>
+          </a:p>
+        </p:txBody>
+      </p:sp>
+      <p:sp>
+        <p:nvSpPr>
+          <p:cNvPr id="82" name="Google Shape;82;p15"/>
+          <p:cNvSpPr txBox="1"/>
+          <p:nvPr/>
+        </p:nvSpPr>
+        <p:spPr>
+          <a:xfrm>
+            <a:off x="7941450" y="1147350"/>
+            <a:ext cx="1024200" cy="256800"/>
+          </a:xfrm>
+          <a:prstGeom prst="rect">
+            <a:avLst/>
+          </a:prstGeom>
+          <a:noFill/>
+          <a:ln>
+            <a:noFill/>
+          </a:ln>
+        </p:spPr>
+        <p:txBody>
+          <a:bodyPr spcFirstLastPara="1" wrap="square" lIns="91425" tIns="91425" rIns="91425" bIns="91425" anchor="ctr" anchorCtr="0">
+            <a:noAutofit/>
+          </a:bodyPr>
+          <a:lstStyle/>
+          <a:p>
+            <a:pPr marL="0" marR="0" lvl="0" indent="0" algn="ctr" rtl="0">
+              <a:lnSpc>
+                <a:spcPct val="100000"/>
+              </a:lnSpc>
+              <a:spcBef>
+                <a:spcPts val="0"/>
+              </a:spcBef>
+              <a:spcAft>
+                <a:spcPts val="0"/>
+              </a:spcAft>
+              <a:buClr>
+                <a:srgbClr val="000000"/>
+              </a:buClr>
+              <a:buSzPts val="3000"/>
+              <a:buFont typeface="Arial"/>
+              <a:buNone/>
+            </a:pPr>
+            <a:r>
+              <a:rPr lang="en" sz="2900">
+                <a:solidFill>
+                  <a:srgbClr val="FFFFFF"/>
+                </a:solidFill>
+                <a:latin typeface="Calibri"/>
+                <a:ea typeface="Calibri"/>
+                <a:cs typeface="Calibri"/>
+                <a:sym typeface="Calibri"/>
+              </a:rPr>
+              <a:t>2020</a:t>
+            </a:r>
+            <a:endParaRPr sz="2900" b="0" i="0" u="none" strike="noStrike" cap="none">
+              <a:solidFill>
+                <a:srgbClr val="FFFFFF"/>
+              </a:solidFill>
+              <a:latin typeface="Calibri"/>
+              <a:ea typeface="Calibri"/>
+              <a:cs typeface="Calibri"/>
+              <a:sym typeface="Calibri"/>
+            </a:endParaRPr>
+          </a:p>
+        </p:txBody>
+      </p:sp>
+      <p:pic>
+        <p:nvPicPr>
+          <p:cNvPr id="16" name="Рисунок 15">
+            <a:extLst>
+              <a:ext uri="{FF2B5EF4-FFF2-40B4-BE49-F238E27FC236}">
+                <a16:creationId xmlns:a16="http://schemas.microsoft.com/office/drawing/2014/main" id="{F757D0B0-B222-4620-AE9D-19D1177355D1}"/>
+              </a:ext>
+            </a:extLst>
+          </p:cNvPr>
+          <p:cNvPicPr>
+            <a:picLocks noChangeAspect="1"/>
+          </p:cNvPicPr>
+          <p:nvPr/>
+        </p:nvPicPr>
+        <p:blipFill>
+          <a:blip r:embed="rId4"/>
+          <a:stretch>
+            <a:fillRect/>
+          </a:stretch>
+        </p:blipFill>
+        <p:spPr>
+          <a:xfrm>
+            <a:off x="3501447" y="3765767"/>
+            <a:ext cx="2141102" cy="2141102"/>
+          </a:xfrm>
+          <a:prstGeom prst="rect">
+            <a:avLst/>
+          </a:prstGeom>
+          <a:ln>
+            <a:noFill/>
+          </a:ln>
+          <a:effectLst>
+            <a:outerShdw blurRad="292100" dist="139700" dir="2700000" algn="tl" rotWithShape="0">
+              <a:srgbClr val="333333">
+                <a:alpha val="65000"/>
+              </a:srgbClr>
+            </a:outerShdw>
+          </a:effectLst>
+        </p:spPr>
+      </p:pic>
+      <p:pic>
+        <p:nvPicPr>
+          <p:cNvPr id="5" name="Рисунок 4" descr="Изображение выглядит как текст&#10;&#10;Автоматически созданное описание">
+            <a:extLst>
+              <a:ext uri="{FF2B5EF4-FFF2-40B4-BE49-F238E27FC236}">
+                <a16:creationId xmlns:a16="http://schemas.microsoft.com/office/drawing/2014/main" id="{B1B7198B-E4E8-444A-9C5C-8EF713A67DE0}"/>
+              </a:ext>
+            </a:extLst>
+          </p:cNvPr>
+          <p:cNvPicPr>
+            <a:picLocks noChangeAspect="1"/>
+          </p:cNvPicPr>
+          <p:nvPr/>
+        </p:nvPicPr>
+        <p:blipFill>
+          <a:blip r:embed="rId5"/>
+          <a:stretch>
+            <a:fillRect/>
+          </a:stretch>
+        </p:blipFill>
+        <p:spPr>
+          <a:xfrm>
+            <a:off x="280642" y="514351"/>
+            <a:ext cx="8406158" cy="3915558"/>
+          </a:xfrm>
+          <a:prstGeom prst="rect">
+            <a:avLst/>
+          </a:prstGeom>
+          <a:ln>
+            <a:noFill/>
+          </a:ln>
+          <a:effectLst>
+            <a:outerShdw blurRad="292100" dist="139700" dir="2700000" algn="tl" rotWithShape="0">
+              <a:srgbClr val="333333">
+                <a:alpha val="65000"/>
+              </a:srgbClr>
+            </a:outerShdw>
+          </a:effectLst>
+        </p:spPr>
+      </p:pic>
+    </p:spTree>
+    <p:extLst>
+      <p:ext uri="{BB962C8B-B14F-4D97-AF65-F5344CB8AC3E}">
+        <p14:creationId xmlns:p14="http://schemas.microsoft.com/office/powerpoint/2010/main" val="327445773"/>
+      </p:ext>
+    </p:extLst>
+  </p:cSld>
+  <p:clrMapOvr>
+    <a:masterClrMapping/>
+  </p:clrMapOvr>
+</p:sld>
+</file>
+
 <file path=ppt/theme/theme1.xml><?xml version="1.0" encoding="utf-8"?>
 <a:theme xmlns:a="http://schemas.openxmlformats.org/drawingml/2006/main" name="Simple Light">
   <a:themeElements>
